--- a/Opioids and Foster Care.pptx
+++ b/Opioids and Foster Care.pptx
@@ -132,7 +132,7 @@
   <pc:docChgLst>
     <pc:chgData name="Patrick Hreha" userId="2b0e9f3bd7b35e2d" providerId="LiveId" clId="{C9CE1B16-F44D-4DC1-8D9A-B456E03CD978}"/>
     <pc:docChg chg="undo custSel addSld delSld modSld sldOrd">
-      <pc:chgData name="Patrick Hreha" userId="2b0e9f3bd7b35e2d" providerId="LiveId" clId="{C9CE1B16-F44D-4DC1-8D9A-B456E03CD978}" dt="2019-06-25T00:57:54.418" v="2543" actId="20577"/>
+      <pc:chgData name="Patrick Hreha" userId="2b0e9f3bd7b35e2d" providerId="LiveId" clId="{C9CE1B16-F44D-4DC1-8D9A-B456E03CD978}" dt="2019-06-25T01:43:18.359" v="2552" actId="732"/>
       <pc:docMkLst>
         <pc:docMk/>
       </pc:docMkLst>
@@ -570,7 +570,7 @@
         </pc:picChg>
       </pc:sldChg>
       <pc:sldChg chg="addSp delSp modSp add">
-        <pc:chgData name="Patrick Hreha" userId="2b0e9f3bd7b35e2d" providerId="LiveId" clId="{C9CE1B16-F44D-4DC1-8D9A-B456E03CD978}" dt="2019-06-25T00:37:16.459" v="2176" actId="1076"/>
+        <pc:chgData name="Patrick Hreha" userId="2b0e9f3bd7b35e2d" providerId="LiveId" clId="{C9CE1B16-F44D-4DC1-8D9A-B456E03CD978}" dt="2019-06-25T01:42:37.403" v="2547" actId="732"/>
         <pc:sldMkLst>
           <pc:docMk/>
           <pc:sldMk cId="1005527211" sldId="268"/>
@@ -655,8 +655,8 @@
             <ac:picMk id="13" creationId="{8BB8AD02-2B53-4DED-9254-78CEA8728AE5}"/>
           </ac:picMkLst>
         </pc:picChg>
-        <pc:picChg chg="add mod ord">
-          <ac:chgData name="Patrick Hreha" userId="2b0e9f3bd7b35e2d" providerId="LiveId" clId="{C9CE1B16-F44D-4DC1-8D9A-B456E03CD978}" dt="2019-06-25T00:36:18.763" v="2170" actId="1076"/>
+        <pc:picChg chg="add mod ord modCrop">
+          <ac:chgData name="Patrick Hreha" userId="2b0e9f3bd7b35e2d" providerId="LiveId" clId="{C9CE1B16-F44D-4DC1-8D9A-B456E03CD978}" dt="2019-06-25T01:42:37.403" v="2547" actId="732"/>
           <ac:picMkLst>
             <pc:docMk/>
             <pc:sldMk cId="1005527211" sldId="268"/>
@@ -696,7 +696,7 @@
         </pc:picChg>
       </pc:sldChg>
       <pc:sldChg chg="addSp delSp modSp add">
-        <pc:chgData name="Patrick Hreha" userId="2b0e9f3bd7b35e2d" providerId="LiveId" clId="{C9CE1B16-F44D-4DC1-8D9A-B456E03CD978}" dt="2019-06-25T00:50:23.870" v="2398" actId="1076"/>
+        <pc:chgData name="Patrick Hreha" userId="2b0e9f3bd7b35e2d" providerId="LiveId" clId="{C9CE1B16-F44D-4DC1-8D9A-B456E03CD978}" dt="2019-06-25T01:42:23.573" v="2546" actId="732"/>
         <pc:sldMkLst>
           <pc:docMk/>
           <pc:sldMk cId="1176696731" sldId="270"/>
@@ -725,8 +725,8 @@
             <ac:spMk id="7" creationId="{50F92054-D534-4088-9BF1-6E32230C2632}"/>
           </ac:spMkLst>
         </pc:spChg>
-        <pc:picChg chg="add del mod ord">
-          <ac:chgData name="Patrick Hreha" userId="2b0e9f3bd7b35e2d" providerId="LiveId" clId="{C9CE1B16-F44D-4DC1-8D9A-B456E03CD978}" dt="2019-06-25T00:50:23.870" v="2398" actId="1076"/>
+        <pc:picChg chg="add del mod ord modCrop">
+          <ac:chgData name="Patrick Hreha" userId="2b0e9f3bd7b35e2d" providerId="LiveId" clId="{C9CE1B16-F44D-4DC1-8D9A-B456E03CD978}" dt="2019-06-25T01:42:23.573" v="2546" actId="732"/>
           <ac:picMkLst>
             <pc:docMk/>
             <pc:sldMk cId="1176696731" sldId="270"/>
@@ -735,7 +735,7 @@
         </pc:picChg>
       </pc:sldChg>
       <pc:sldChg chg="addSp delSp modSp add">
-        <pc:chgData name="Patrick Hreha" userId="2b0e9f3bd7b35e2d" providerId="LiveId" clId="{C9CE1B16-F44D-4DC1-8D9A-B456E03CD978}" dt="2019-06-25T00:43:11.161" v="2252" actId="1076"/>
+        <pc:chgData name="Patrick Hreha" userId="2b0e9f3bd7b35e2d" providerId="LiveId" clId="{C9CE1B16-F44D-4DC1-8D9A-B456E03CD978}" dt="2019-06-25T01:42:51.157" v="2549" actId="732"/>
         <pc:sldMkLst>
           <pc:docMk/>
           <pc:sldMk cId="1680893363" sldId="271"/>
@@ -772,8 +772,8 @@
             <ac:picMk id="5" creationId="{E80072B1-0935-4C74-ADEE-C58C570CECD6}"/>
           </ac:picMkLst>
         </pc:picChg>
-        <pc:picChg chg="add mod ord">
-          <ac:chgData name="Patrick Hreha" userId="2b0e9f3bd7b35e2d" providerId="LiveId" clId="{C9CE1B16-F44D-4DC1-8D9A-B456E03CD978}" dt="2019-06-25T00:43:11.161" v="2252" actId="1076"/>
+        <pc:picChg chg="add mod ord modCrop">
+          <ac:chgData name="Patrick Hreha" userId="2b0e9f3bd7b35e2d" providerId="LiveId" clId="{C9CE1B16-F44D-4DC1-8D9A-B456E03CD978}" dt="2019-06-25T01:42:51.157" v="2549" actId="732"/>
           <ac:picMkLst>
             <pc:docMk/>
             <pc:sldMk cId="1680893363" sldId="271"/>
@@ -782,7 +782,7 @@
         </pc:picChg>
       </pc:sldChg>
       <pc:sldChg chg="addSp delSp modSp add">
-        <pc:chgData name="Patrick Hreha" userId="2b0e9f3bd7b35e2d" providerId="LiveId" clId="{C9CE1B16-F44D-4DC1-8D9A-B456E03CD978}" dt="2019-06-25T00:44:57.192" v="2300" actId="167"/>
+        <pc:chgData name="Patrick Hreha" userId="2b0e9f3bd7b35e2d" providerId="LiveId" clId="{C9CE1B16-F44D-4DC1-8D9A-B456E03CD978}" dt="2019-06-25T01:42:59.813" v="2550" actId="732"/>
         <pc:sldMkLst>
           <pc:docMk/>
           <pc:sldMk cId="3833542377" sldId="272"/>
@@ -819,8 +819,8 @@
             <ac:picMk id="5" creationId="{06EC69EC-F79A-41EB-A16F-282D85C2A85E}"/>
           </ac:picMkLst>
         </pc:picChg>
-        <pc:picChg chg="add mod ord">
-          <ac:chgData name="Patrick Hreha" userId="2b0e9f3bd7b35e2d" providerId="LiveId" clId="{C9CE1B16-F44D-4DC1-8D9A-B456E03CD978}" dt="2019-06-25T00:44:57.192" v="2300" actId="167"/>
+        <pc:picChg chg="add mod ord modCrop">
+          <ac:chgData name="Patrick Hreha" userId="2b0e9f3bd7b35e2d" providerId="LiveId" clId="{C9CE1B16-F44D-4DC1-8D9A-B456E03CD978}" dt="2019-06-25T01:42:59.813" v="2550" actId="732"/>
           <ac:picMkLst>
             <pc:docMk/>
             <pc:sldMk cId="3833542377" sldId="272"/>
@@ -829,7 +829,7 @@
         </pc:picChg>
       </pc:sldChg>
       <pc:sldChg chg="addSp delSp modSp add">
-        <pc:chgData name="Patrick Hreha" userId="2b0e9f3bd7b35e2d" providerId="LiveId" clId="{C9CE1B16-F44D-4DC1-8D9A-B456E03CD978}" dt="2019-06-25T00:57:54.418" v="2543" actId="20577"/>
+        <pc:chgData name="Patrick Hreha" userId="2b0e9f3bd7b35e2d" providerId="LiveId" clId="{C9CE1B16-F44D-4DC1-8D9A-B456E03CD978}" dt="2019-06-25T01:43:11.820" v="2551" actId="732"/>
         <pc:sldMkLst>
           <pc:docMk/>
           <pc:sldMk cId="2572703632" sldId="273"/>
@@ -850,8 +850,8 @@
             <ac:spMk id="3" creationId="{335E159C-B70A-47CB-B416-28083DEAE20D}"/>
           </ac:spMkLst>
         </pc:spChg>
-        <pc:picChg chg="add mod ord">
-          <ac:chgData name="Patrick Hreha" userId="2b0e9f3bd7b35e2d" providerId="LiveId" clId="{C9CE1B16-F44D-4DC1-8D9A-B456E03CD978}" dt="2019-06-25T00:48:22.601" v="2316" actId="167"/>
+        <pc:picChg chg="add mod ord modCrop">
+          <ac:chgData name="Patrick Hreha" userId="2b0e9f3bd7b35e2d" providerId="LiveId" clId="{C9CE1B16-F44D-4DC1-8D9A-B456E03CD978}" dt="2019-06-25T01:43:11.820" v="2551" actId="732"/>
           <ac:picMkLst>
             <pc:docMk/>
             <pc:sldMk cId="2572703632" sldId="273"/>
@@ -860,7 +860,7 @@
         </pc:picChg>
       </pc:sldChg>
       <pc:sldChg chg="addSp delSp modSp add">
-        <pc:chgData name="Patrick Hreha" userId="2b0e9f3bd7b35e2d" providerId="LiveId" clId="{C9CE1B16-F44D-4DC1-8D9A-B456E03CD978}" dt="2019-06-25T00:49:32.958" v="2388" actId="167"/>
+        <pc:chgData name="Patrick Hreha" userId="2b0e9f3bd7b35e2d" providerId="LiveId" clId="{C9CE1B16-F44D-4DC1-8D9A-B456E03CD978}" dt="2019-06-25T01:43:18.359" v="2552" actId="732"/>
         <pc:sldMkLst>
           <pc:docMk/>
           <pc:sldMk cId="3210364165" sldId="274"/>
@@ -881,8 +881,8 @@
             <ac:spMk id="3" creationId="{971D91EB-4DFE-40AF-B8BC-2D0581DDCBE4}"/>
           </ac:spMkLst>
         </pc:spChg>
-        <pc:picChg chg="add mod ord">
-          <ac:chgData name="Patrick Hreha" userId="2b0e9f3bd7b35e2d" providerId="LiveId" clId="{C9CE1B16-F44D-4DC1-8D9A-B456E03CD978}" dt="2019-06-25T00:49:32.958" v="2388" actId="167"/>
+        <pc:picChg chg="add mod ord modCrop">
+          <ac:chgData name="Patrick Hreha" userId="2b0e9f3bd7b35e2d" providerId="LiveId" clId="{C9CE1B16-F44D-4DC1-8D9A-B456E03CD978}" dt="2019-06-25T01:43:18.359" v="2552" actId="732"/>
           <ac:picMkLst>
             <pc:docMk/>
             <pc:sldMk cId="3210364165" sldId="274"/>
@@ -4445,7 +4445,7 @@
             <p:ph idx="1"/>
           </p:nvPr>
         </p:nvPicPr>
-        <p:blipFill>
+        <p:blipFill rotWithShape="1">
           <a:blip r:embed="rId2">
             <a:extLst>
               <a:ext uri="{28A0092B-C50C-407E-A947-70E740481C1C}">
@@ -4453,14 +4453,13 @@
               </a:ext>
             </a:extLst>
           </a:blip>
-          <a:stretch>
-            <a:fillRect/>
-          </a:stretch>
+          <a:srcRect b="7018"/>
+          <a:stretch/>
         </p:blipFill>
         <p:spPr>
           <a:xfrm>
             <a:off x="1858347" y="796110"/>
-            <a:ext cx="8475306" cy="6519466"/>
+            <a:ext cx="8475306" cy="6061890"/>
           </a:xfrm>
         </p:spPr>
       </p:pic>
@@ -4538,7 +4537,7 @@
             <p:ph idx="1"/>
           </p:nvPr>
         </p:nvPicPr>
-        <p:blipFill>
+        <p:blipFill rotWithShape="1">
           <a:blip r:embed="rId2">
             <a:extLst>
               <a:ext uri="{28A0092B-C50C-407E-A947-70E740481C1C}">
@@ -4546,14 +4545,13 @@
               </a:ext>
             </a:extLst>
           </a:blip>
-          <a:stretch>
-            <a:fillRect/>
-          </a:stretch>
+          <a:srcRect b="5115"/>
+          <a:stretch/>
         </p:blipFill>
         <p:spPr>
           <a:xfrm>
-            <a:off x="459532" y="841292"/>
-            <a:ext cx="11272936" cy="6341027"/>
+            <a:off x="459532" y="841293"/>
+            <a:ext cx="11272936" cy="6016708"/>
           </a:xfrm>
         </p:spPr>
       </p:pic>
@@ -4631,7 +4629,7 @@
             <p:ph idx="1"/>
           </p:nvPr>
         </p:nvPicPr>
-        <p:blipFill>
+        <p:blipFill rotWithShape="1">
           <a:blip r:embed="rId2">
             <a:extLst>
               <a:ext uri="{28A0092B-C50C-407E-A947-70E740481C1C}">
@@ -4639,14 +4637,13 @@
               </a:ext>
             </a:extLst>
           </a:blip>
-          <a:stretch>
-            <a:fillRect/>
-          </a:stretch>
+          <a:srcRect b="5450"/>
+          <a:stretch/>
         </p:blipFill>
         <p:spPr>
           <a:xfrm>
             <a:off x="388307" y="786800"/>
-            <a:ext cx="11415385" cy="6421154"/>
+            <a:ext cx="11415385" cy="6071200"/>
           </a:xfrm>
         </p:spPr>
       </p:pic>
@@ -4724,7 +4721,7 @@
             <p:ph idx="1"/>
           </p:nvPr>
         </p:nvPicPr>
-        <p:blipFill>
+        <p:blipFill rotWithShape="1">
           <a:blip r:embed="rId2">
             <a:extLst>
               <a:ext uri="{28A0092B-C50C-407E-A947-70E740481C1C}">
@@ -4732,14 +4729,13 @@
               </a:ext>
             </a:extLst>
           </a:blip>
-          <a:stretch>
-            <a:fillRect/>
-          </a:stretch>
+          <a:srcRect b="4255"/>
+          <a:stretch/>
         </p:blipFill>
         <p:spPr>
           <a:xfrm>
             <a:off x="419100" y="743273"/>
-            <a:ext cx="11353800" cy="6386513"/>
+            <a:ext cx="11353800" cy="6114727"/>
           </a:xfrm>
         </p:spPr>
       </p:pic>
@@ -4817,7 +4813,7 @@
             <p:ph idx="1"/>
           </p:nvPr>
         </p:nvPicPr>
-        <p:blipFill>
+        <p:blipFill rotWithShape="1">
           <a:blip r:embed="rId2">
             <a:extLst>
               <a:ext uri="{28A0092B-C50C-407E-A947-70E740481C1C}">
@@ -4825,14 +4821,13 @@
               </a:ext>
             </a:extLst>
           </a:blip>
-          <a:stretch>
-            <a:fillRect/>
-          </a:stretch>
+          <a:srcRect b="3088"/>
+          <a:stretch/>
         </p:blipFill>
         <p:spPr>
           <a:xfrm>
             <a:off x="487524" y="743273"/>
-            <a:ext cx="11216951" cy="6309535"/>
+            <a:ext cx="11216951" cy="6114727"/>
           </a:xfrm>
         </p:spPr>
       </p:pic>
@@ -5871,7 +5866,7 @@
             <p:ph idx="1"/>
           </p:nvPr>
         </p:nvPicPr>
-        <p:blipFill>
+        <p:blipFill rotWithShape="1">
           <a:blip r:embed="rId2">
             <a:extLst>
               <a:ext uri="{28A0092B-C50C-407E-A947-70E740481C1C}">
@@ -5879,14 +5874,13 @@
               </a:ext>
             </a:extLst>
           </a:blip>
-          <a:stretch>
-            <a:fillRect/>
-          </a:stretch>
+          <a:srcRect b="2099"/>
+          <a:stretch/>
         </p:blipFill>
         <p:spPr>
           <a:xfrm>
             <a:off x="562947" y="763943"/>
-            <a:ext cx="11066106" cy="6224685"/>
+            <a:ext cx="11066106" cy="6094057"/>
           </a:xfrm>
         </p:spPr>
       </p:pic>
